--- a/TradeSimulation/DesBuySell.pptx
+++ b/TradeSimulation/DesBuySell.pptx
@@ -7,9 +7,11 @@
   <p:sldIdLst>
     <p:sldId id="256" r:id="rId2"/>
     <p:sldId id="259" r:id="rId3"/>
-    <p:sldId id="257" r:id="rId4"/>
-    <p:sldId id="260" r:id="rId5"/>
-    <p:sldId id="258" r:id="rId6"/>
+    <p:sldId id="262" r:id="rId4"/>
+    <p:sldId id="257" r:id="rId5"/>
+    <p:sldId id="260" r:id="rId6"/>
+    <p:sldId id="261" r:id="rId7"/>
+    <p:sldId id="258" r:id="rId8"/>
   </p:sldIdLst>
   <p:sldSz cx="12192000" cy="6858000"/>
   <p:notesSz cx="6858000" cy="9144000"/>
@@ -265,7 +267,7 @@
           <a:p>
             <a:fld id="{AEA0704E-5133-4CA5-A8BC-585934ED69D7}" type="datetimeFigureOut">
               <a:rPr lang="th-TH" smtClean="0"/>
-              <a:t>02/03/66</a:t>
+              <a:t>04/03/66</a:t>
             </a:fld>
             <a:endParaRPr lang="th-TH"/>
           </a:p>
@@ -465,7 +467,7 @@
           <a:p>
             <a:fld id="{AEA0704E-5133-4CA5-A8BC-585934ED69D7}" type="datetimeFigureOut">
               <a:rPr lang="th-TH" smtClean="0"/>
-              <a:t>02/03/66</a:t>
+              <a:t>04/03/66</a:t>
             </a:fld>
             <a:endParaRPr lang="th-TH"/>
           </a:p>
@@ -675,7 +677,7 @@
           <a:p>
             <a:fld id="{AEA0704E-5133-4CA5-A8BC-585934ED69D7}" type="datetimeFigureOut">
               <a:rPr lang="th-TH" smtClean="0"/>
-              <a:t>02/03/66</a:t>
+              <a:t>04/03/66</a:t>
             </a:fld>
             <a:endParaRPr lang="th-TH"/>
           </a:p>
@@ -875,7 +877,7 @@
           <a:p>
             <a:fld id="{AEA0704E-5133-4CA5-A8BC-585934ED69D7}" type="datetimeFigureOut">
               <a:rPr lang="th-TH" smtClean="0"/>
-              <a:t>02/03/66</a:t>
+              <a:t>04/03/66</a:t>
             </a:fld>
             <a:endParaRPr lang="th-TH"/>
           </a:p>
@@ -1151,7 +1153,7 @@
           <a:p>
             <a:fld id="{AEA0704E-5133-4CA5-A8BC-585934ED69D7}" type="datetimeFigureOut">
               <a:rPr lang="th-TH" smtClean="0"/>
-              <a:t>02/03/66</a:t>
+              <a:t>04/03/66</a:t>
             </a:fld>
             <a:endParaRPr lang="th-TH"/>
           </a:p>
@@ -1419,7 +1421,7 @@
           <a:p>
             <a:fld id="{AEA0704E-5133-4CA5-A8BC-585934ED69D7}" type="datetimeFigureOut">
               <a:rPr lang="th-TH" smtClean="0"/>
-              <a:t>02/03/66</a:t>
+              <a:t>04/03/66</a:t>
             </a:fld>
             <a:endParaRPr lang="th-TH"/>
           </a:p>
@@ -1834,7 +1836,7 @@
           <a:p>
             <a:fld id="{AEA0704E-5133-4CA5-A8BC-585934ED69D7}" type="datetimeFigureOut">
               <a:rPr lang="th-TH" smtClean="0"/>
-              <a:t>02/03/66</a:t>
+              <a:t>04/03/66</a:t>
             </a:fld>
             <a:endParaRPr lang="th-TH"/>
           </a:p>
@@ -1976,7 +1978,7 @@
           <a:p>
             <a:fld id="{AEA0704E-5133-4CA5-A8BC-585934ED69D7}" type="datetimeFigureOut">
               <a:rPr lang="th-TH" smtClean="0"/>
-              <a:t>02/03/66</a:t>
+              <a:t>04/03/66</a:t>
             </a:fld>
             <a:endParaRPr lang="th-TH"/>
           </a:p>
@@ -2089,7 +2091,7 @@
           <a:p>
             <a:fld id="{AEA0704E-5133-4CA5-A8BC-585934ED69D7}" type="datetimeFigureOut">
               <a:rPr lang="th-TH" smtClean="0"/>
-              <a:t>02/03/66</a:t>
+              <a:t>04/03/66</a:t>
             </a:fld>
             <a:endParaRPr lang="th-TH"/>
           </a:p>
@@ -2402,7 +2404,7 @@
           <a:p>
             <a:fld id="{AEA0704E-5133-4CA5-A8BC-585934ED69D7}" type="datetimeFigureOut">
               <a:rPr lang="th-TH" smtClean="0"/>
-              <a:t>02/03/66</a:t>
+              <a:t>04/03/66</a:t>
             </a:fld>
             <a:endParaRPr lang="th-TH"/>
           </a:p>
@@ -2691,7 +2693,7 @@
           <a:p>
             <a:fld id="{AEA0704E-5133-4CA5-A8BC-585934ED69D7}" type="datetimeFigureOut">
               <a:rPr lang="th-TH" smtClean="0"/>
-              <a:t>02/03/66</a:t>
+              <a:t>04/03/66</a:t>
             </a:fld>
             <a:endParaRPr lang="th-TH"/>
           </a:p>
@@ -2934,7 +2936,7 @@
           <a:p>
             <a:fld id="{AEA0704E-5133-4CA5-A8BC-585934ED69D7}" type="datetimeFigureOut">
               <a:rPr lang="th-TH" smtClean="0"/>
-              <a:t>02/03/66</a:t>
+              <a:t>04/03/66</a:t>
             </a:fld>
             <a:endParaRPr lang="th-TH"/>
           </a:p>
@@ -3401,6 +3403,24 @@
           <a:bodyPr/>
           <a:lstStyle/>
           <a:p>
+            <a:r>
+              <a:rPr lang="en-US" dirty="0" err="1"/>
+              <a:t>Pyhton</a:t>
+            </a:r>
+            <a:r>
+              <a:rPr lang="en-US" dirty="0"/>
+              <a:t> to perform exploratory data</a:t>
+            </a:r>
+          </a:p>
+          <a:p>
+            <a:r>
+              <a:rPr lang="en-US" dirty="0"/>
+              <a:t>Not Financial </a:t>
+            </a:r>
+            <a:r>
+              <a:rPr lang="en-US" dirty="0" err="1"/>
+              <a:t>Adice</a:t>
+            </a:r>
             <a:endParaRPr lang="th-TH" dirty="0"/>
           </a:p>
         </p:txBody>
@@ -3629,7 +3649,7 @@
           <p:cNvPr id="2" name="Title 1">
             <a:extLst>
               <a:ext uri="{FF2B5EF4-FFF2-40B4-BE49-F238E27FC236}">
-                <a16:creationId xmlns:a16="http://schemas.microsoft.com/office/drawing/2014/main" id="{BA03BD53-6CAD-4E2B-8365-F88593689FD9}"/>
+                <a16:creationId xmlns:a16="http://schemas.microsoft.com/office/drawing/2014/main" id="{6904B4FB-F56E-4038-BA25-56B1CD471877}"/>
               </a:ext>
             </a:extLst>
           </p:cNvPr>
@@ -3646,69 +3666,77 @@
           <a:lstStyle/>
           <a:p>
             <a:r>
+              <a:rPr lang="en-US" dirty="0" err="1"/>
+              <a:t>Stragey</a:t>
+            </a:r>
+            <a:endParaRPr lang="th-TH" dirty="0"/>
+          </a:p>
+        </p:txBody>
+      </p:sp>
+      <p:sp>
+        <p:nvSpPr>
+          <p:cNvPr id="3" name="Content Placeholder 2">
+            <a:extLst>
+              <a:ext uri="{FF2B5EF4-FFF2-40B4-BE49-F238E27FC236}">
+                <a16:creationId xmlns:a16="http://schemas.microsoft.com/office/drawing/2014/main" id="{0826A46B-CC85-4BC1-89E3-4E252E91E10B}"/>
+              </a:ext>
+            </a:extLst>
+          </p:cNvPr>
+          <p:cNvSpPr>
+            <a:spLocks noGrp="1"/>
+          </p:cNvSpPr>
+          <p:nvPr>
+            <p:ph idx="1"/>
+          </p:nvPr>
+        </p:nvSpPr>
+        <p:spPr/>
+        <p:txBody>
+          <a:bodyPr/>
+          <a:lstStyle/>
+          <a:p>
+            <a:r>
+              <a:rPr lang="en-US" dirty="0" err="1"/>
+              <a:t>Preceidn</a:t>
+            </a:r>
+            <a:r>
               <a:rPr lang="en-US" dirty="0"/>
-              <a:t>Master Data Configuration</a:t>
+              <a:t> </a:t>
+            </a:r>
+            <a:r>
+              <a:rPr lang="en-US" dirty="0" err="1"/>
+              <a:t>tutora</a:t>
+            </a:r>
+            <a:r>
+              <a:rPr lang="en-US" dirty="0"/>
+              <a:t> by at this fist and sell </a:t>
+            </a:r>
+            <a:r>
+              <a:rPr lang="en-US"/>
+              <a:t>last given period</a:t>
+            </a:r>
+          </a:p>
+          <a:p>
+            <a:r>
+              <a:rPr lang="en-US" dirty="0"/>
+              <a:t>The first strategy would be to buy the entire portfolio and sell the entire 50% and Hold  ,  you will plan to sell at the end of 1Q of this year</a:t>
+            </a:r>
+          </a:p>
+          <a:p>
+            <a:endParaRPr lang="en-US" dirty="0"/>
+          </a:p>
+          <a:p>
+            <a:r>
+              <a:rPr lang="en-US" dirty="0"/>
+              <a:t> The second strategy would be to average buy in an upward trend and average sell in a downward trend.</a:t>
             </a:r>
             <a:endParaRPr lang="th-TH" dirty="0"/>
-          </a:p>
-        </p:txBody>
-      </p:sp>
-      <p:sp>
-        <p:nvSpPr>
-          <p:cNvPr id="3" name="Content Placeholder 2">
-            <a:extLst>
-              <a:ext uri="{FF2B5EF4-FFF2-40B4-BE49-F238E27FC236}">
-                <a16:creationId xmlns:a16="http://schemas.microsoft.com/office/drawing/2014/main" id="{EAC4A152-E224-4B5B-BAEC-AD7C8C7035F8}"/>
-              </a:ext>
-            </a:extLst>
-          </p:cNvPr>
-          <p:cNvSpPr>
-            <a:spLocks noGrp="1"/>
-          </p:cNvSpPr>
-          <p:nvPr>
-            <p:ph idx="1"/>
-          </p:nvPr>
-        </p:nvSpPr>
-        <p:spPr/>
-        <p:txBody>
-          <a:bodyPr/>
-          <a:lstStyle/>
-          <a:p>
-            <a:r>
-              <a:rPr lang="en-US" dirty="0"/>
-              <a:t>Excel to store  buy/sell trading Summary ( Date and Action)</a:t>
-            </a:r>
-          </a:p>
-          <a:p>
-            <a:r>
-              <a:rPr lang="en-US" dirty="0"/>
-              <a:t>Why I use Excel instead of Database</a:t>
-            </a:r>
-          </a:p>
-          <a:p>
-            <a:r>
-              <a:rPr lang="en-US" dirty="0" err="1"/>
-              <a:t>DataSource</a:t>
-            </a:r>
-            <a:r>
-              <a:rPr lang="en-US" dirty="0"/>
-              <a:t> to store configuration data  like relational database and no-</a:t>
-            </a:r>
-            <a:r>
-              <a:rPr lang="en-US" dirty="0" err="1"/>
-              <a:t>sql</a:t>
-            </a:r>
-            <a:r>
-              <a:rPr lang="en-US" dirty="0"/>
-              <a:t> database</a:t>
-            </a:r>
           </a:p>
         </p:txBody>
       </p:sp>
     </p:spTree>
     <p:extLst>
       <p:ext uri="{BB962C8B-B14F-4D97-AF65-F5344CB8AC3E}">
-        <p14:creationId xmlns:p14="http://schemas.microsoft.com/office/powerpoint/2010/main" val="2634609463"/>
+        <p14:creationId xmlns:p14="http://schemas.microsoft.com/office/powerpoint/2010/main" val="774749132"/>
       </p:ext>
     </p:extLst>
   </p:cSld>
@@ -3740,6 +3768,117 @@
           <p:cNvPr id="2" name="Title 1">
             <a:extLst>
               <a:ext uri="{FF2B5EF4-FFF2-40B4-BE49-F238E27FC236}">
+                <a16:creationId xmlns:a16="http://schemas.microsoft.com/office/drawing/2014/main" id="{BA03BD53-6CAD-4E2B-8365-F88593689FD9}"/>
+              </a:ext>
+            </a:extLst>
+          </p:cNvPr>
+          <p:cNvSpPr>
+            <a:spLocks noGrp="1"/>
+          </p:cNvSpPr>
+          <p:nvPr>
+            <p:ph type="title"/>
+          </p:nvPr>
+        </p:nvSpPr>
+        <p:spPr/>
+        <p:txBody>
+          <a:bodyPr/>
+          <a:lstStyle/>
+          <a:p>
+            <a:r>
+              <a:rPr lang="en-US" dirty="0"/>
+              <a:t>Master Data Configuration</a:t>
+            </a:r>
+            <a:endParaRPr lang="th-TH" dirty="0"/>
+          </a:p>
+        </p:txBody>
+      </p:sp>
+      <p:sp>
+        <p:nvSpPr>
+          <p:cNvPr id="3" name="Content Placeholder 2">
+            <a:extLst>
+              <a:ext uri="{FF2B5EF4-FFF2-40B4-BE49-F238E27FC236}">
+                <a16:creationId xmlns:a16="http://schemas.microsoft.com/office/drawing/2014/main" id="{EAC4A152-E224-4B5B-BAEC-AD7C8C7035F8}"/>
+              </a:ext>
+            </a:extLst>
+          </p:cNvPr>
+          <p:cNvSpPr>
+            <a:spLocks noGrp="1"/>
+          </p:cNvSpPr>
+          <p:nvPr>
+            <p:ph idx="1"/>
+          </p:nvPr>
+        </p:nvSpPr>
+        <p:spPr/>
+        <p:txBody>
+          <a:bodyPr/>
+          <a:lstStyle/>
+          <a:p>
+            <a:r>
+              <a:rPr lang="en-US" dirty="0"/>
+              <a:t>Excel to store  buy/sell trading Summary ( Date and Action)</a:t>
+            </a:r>
+          </a:p>
+          <a:p>
+            <a:r>
+              <a:rPr lang="en-US" dirty="0"/>
+              <a:t>Why I use Excel instead of Database</a:t>
+            </a:r>
+          </a:p>
+          <a:p>
+            <a:r>
+              <a:rPr lang="en-US" dirty="0" err="1"/>
+              <a:t>DataSource</a:t>
+            </a:r>
+            <a:r>
+              <a:rPr lang="en-US" dirty="0"/>
+              <a:t> to store configuration data  like relational database and no-</a:t>
+            </a:r>
+            <a:r>
+              <a:rPr lang="en-US" dirty="0" err="1"/>
+              <a:t>sql</a:t>
+            </a:r>
+            <a:r>
+              <a:rPr lang="en-US" dirty="0"/>
+              <a:t> database</a:t>
+            </a:r>
+          </a:p>
+        </p:txBody>
+      </p:sp>
+    </p:spTree>
+    <p:extLst>
+      <p:ext uri="{BB962C8B-B14F-4D97-AF65-F5344CB8AC3E}">
+        <p14:creationId xmlns:p14="http://schemas.microsoft.com/office/powerpoint/2010/main" val="2634609463"/>
+      </p:ext>
+    </p:extLst>
+  </p:cSld>
+  <p:clrMapOvr>
+    <a:masterClrMapping/>
+  </p:clrMapOvr>
+</p:sld>
+</file>
+
+<file path=ppt/slides/slide5.xml><?xml version="1.0" encoding="utf-8"?>
+<p:sld xmlns:a="http://schemas.openxmlformats.org/drawingml/2006/main" xmlns:r="http://schemas.openxmlformats.org/officeDocument/2006/relationships" xmlns:p="http://schemas.openxmlformats.org/presentationml/2006/main">
+  <p:cSld>
+    <p:spTree>
+      <p:nvGrpSpPr>
+        <p:cNvPr id="1" name=""/>
+        <p:cNvGrpSpPr/>
+        <p:nvPr/>
+      </p:nvGrpSpPr>
+      <p:grpSpPr>
+        <a:xfrm>
+          <a:off x="0" y="0"/>
+          <a:ext cx="0" cy="0"/>
+          <a:chOff x="0" y="0"/>
+          <a:chExt cx="0" cy="0"/>
+        </a:xfrm>
+      </p:grpSpPr>
+      <p:sp>
+        <p:nvSpPr>
+          <p:cNvPr id="2" name="Title 1">
+            <a:extLst>
+              <a:ext uri="{FF2B5EF4-FFF2-40B4-BE49-F238E27FC236}">
                 <a16:creationId xmlns:a16="http://schemas.microsoft.com/office/drawing/2014/main" id="{D357C394-CE65-4E2B-9533-5B06E21C734A}"/>
               </a:ext>
             </a:extLst>
@@ -3877,7 +4016,167 @@
 </p:sld>
 </file>
 
-<file path=ppt/slides/slide5.xml><?xml version="1.0" encoding="utf-8"?>
+<file path=ppt/slides/slide6.xml><?xml version="1.0" encoding="utf-8"?>
+<p:sld xmlns:a="http://schemas.openxmlformats.org/drawingml/2006/main" xmlns:r="http://schemas.openxmlformats.org/officeDocument/2006/relationships" xmlns:p="http://schemas.openxmlformats.org/presentationml/2006/main">
+  <p:cSld>
+    <p:spTree>
+      <p:nvGrpSpPr>
+        <p:cNvPr id="1" name=""/>
+        <p:cNvGrpSpPr/>
+        <p:nvPr/>
+      </p:nvGrpSpPr>
+      <p:grpSpPr>
+        <a:xfrm>
+          <a:off x="0" y="0"/>
+          <a:ext cx="0" cy="0"/>
+          <a:chOff x="0" y="0"/>
+          <a:chExt cx="0" cy="0"/>
+        </a:xfrm>
+      </p:grpSpPr>
+      <p:sp>
+        <p:nvSpPr>
+          <p:cNvPr id="2" name="Title 1">
+            <a:extLst>
+              <a:ext uri="{FF2B5EF4-FFF2-40B4-BE49-F238E27FC236}">
+                <a16:creationId xmlns:a16="http://schemas.microsoft.com/office/drawing/2014/main" id="{A4171B60-BE8E-47CA-960D-0D6CDDE05E05}"/>
+              </a:ext>
+            </a:extLst>
+          </p:cNvPr>
+          <p:cNvSpPr>
+            <a:spLocks noGrp="1"/>
+          </p:cNvSpPr>
+          <p:nvPr>
+            <p:ph type="title"/>
+          </p:nvPr>
+        </p:nvSpPr>
+        <p:spPr/>
+        <p:txBody>
+          <a:bodyPr/>
+          <a:lstStyle/>
+          <a:p>
+            <a:endParaRPr lang="th-TH"/>
+          </a:p>
+        </p:txBody>
+      </p:sp>
+      <p:sp>
+        <p:nvSpPr>
+          <p:cNvPr id="3" name="Content Placeholder 2">
+            <a:extLst>
+              <a:ext uri="{FF2B5EF4-FFF2-40B4-BE49-F238E27FC236}">
+                <a16:creationId xmlns:a16="http://schemas.microsoft.com/office/drawing/2014/main" id="{4FABF196-6409-4667-BAE6-523972966E87}"/>
+              </a:ext>
+            </a:extLst>
+          </p:cNvPr>
+          <p:cNvSpPr>
+            <a:spLocks noGrp="1"/>
+          </p:cNvSpPr>
+          <p:nvPr>
+            <p:ph idx="1"/>
+          </p:nvPr>
+        </p:nvSpPr>
+        <p:spPr/>
+        <p:txBody>
+          <a:bodyPr>
+            <a:normAutofit fontScale="92500" lnSpcReduction="10000"/>
+          </a:bodyPr>
+          <a:lstStyle/>
+          <a:p>
+            <a:pPr algn="l"/>
+            <a:r>
+              <a:rPr lang="en-US" b="0" i="0" dirty="0">
+                <a:solidFill>
+                  <a:srgbClr val="374151"/>
+                </a:solidFill>
+                <a:effectLst/>
+                <a:latin typeface="Söhne"/>
+              </a:rPr>
+              <a:t>To apply the MACD (Moving Average Convergence Divergence) technical indicator to develop a trading system, you can follow these steps:</a:t>
+            </a:r>
+          </a:p>
+          <a:p>
+            <a:pPr algn="l">
+              <a:buFont typeface="+mj-lt"/>
+              <a:buAutoNum type="arabicPeriod"/>
+            </a:pPr>
+            <a:r>
+              <a:rPr lang="en-US" b="0" i="0" dirty="0">
+                <a:solidFill>
+                  <a:srgbClr val="374151"/>
+                </a:solidFill>
+                <a:effectLst/>
+                <a:latin typeface="Söhne"/>
+              </a:rPr>
+              <a:t>Understand the MACD indicator: The MACD is a momentum oscillator that shows the relationship between two moving averages of a security's price. It is calculated by subtracting the 26-period exponential moving average (EMA) from the 12-period EMA. A 9-period EMA of the MACD line is then plotted on top of the MACD line, acting as a signal line.</a:t>
+            </a:r>
+          </a:p>
+          <a:p>
+            <a:pPr algn="l">
+              <a:buFont typeface="+mj-lt"/>
+              <a:buAutoNum type="arabicPeriod"/>
+            </a:pPr>
+            <a:r>
+              <a:rPr lang="en-US" b="0" i="0" dirty="0">
+                <a:solidFill>
+                  <a:srgbClr val="374151"/>
+                </a:solidFill>
+                <a:effectLst/>
+                <a:latin typeface="Söhne"/>
+              </a:rPr>
+              <a:t>Determine the trading strategy: MACD can be used in several ways to develop a trading system  to generate signal. </a:t>
+            </a:r>
+          </a:p>
+          <a:p>
+            <a:pPr algn="l">
+              <a:buFont typeface="+mj-lt"/>
+              <a:buAutoNum type="arabicPeriod"/>
+            </a:pPr>
+            <a:r>
+              <a:rPr lang="en-US" dirty="0">
+                <a:solidFill>
+                  <a:srgbClr val="374151"/>
+                </a:solidFill>
+                <a:latin typeface="Söhne"/>
+              </a:rPr>
+              <a:t>MACD is climb up  and MACD move </a:t>
+            </a:r>
+            <a:r>
+              <a:rPr lang="en-US" dirty="0" err="1">
+                <a:solidFill>
+                  <a:srgbClr val="374151"/>
+                </a:solidFill>
+                <a:latin typeface="Söhne"/>
+              </a:rPr>
+              <a:t>abve</a:t>
+            </a:r>
+            <a:r>
+              <a:rPr lang="en-US" dirty="0">
+                <a:solidFill>
+                  <a:srgbClr val="374151"/>
+                </a:solidFill>
+                <a:latin typeface="Söhne"/>
+              </a:rPr>
+              <a:t> 0 (ema10 cross up ema20) and signal</a:t>
+            </a:r>
+          </a:p>
+          <a:p>
+            <a:endParaRPr lang="th-TH" dirty="0"/>
+          </a:p>
+        </p:txBody>
+      </p:sp>
+    </p:spTree>
+    <p:extLst>
+      <p:ext uri="{BB962C8B-B14F-4D97-AF65-F5344CB8AC3E}">
+        <p14:creationId xmlns:p14="http://schemas.microsoft.com/office/powerpoint/2010/main" val="1683267456"/>
+      </p:ext>
+    </p:extLst>
+  </p:cSld>
+  <p:clrMapOvr>
+    <a:masterClrMapping/>
+  </p:clrMapOvr>
+</p:sld>
+</file>
+
+<file path=ppt/slides/slide7.xml><?xml version="1.0" encoding="utf-8"?>
 <p:sld xmlns:a="http://schemas.openxmlformats.org/drawingml/2006/main" xmlns:r="http://schemas.openxmlformats.org/officeDocument/2006/relationships" xmlns:p="http://schemas.openxmlformats.org/presentationml/2006/main">
   <p:cSld>
     <p:spTree>
